--- a/finance/understanding-interest.pptx
+++ b/finance/understanding-interest.pptx
@@ -2251,138 +2251,6 @@
     </pc:docChg>
   </pc:docChgLst>
   <pc:docChgLst>
-    <pc:chgData name="Mannix, Josh" userId="67577199-83d9-4857-9803-9b1b12014488" providerId="ADAL" clId="{5E63568B-A134-F74A-B947-EBB8480209A8}"/>
-    <pc:docChg chg="undo custSel addSld modSld">
-      <pc:chgData name="Mannix, Josh" userId="67577199-83d9-4857-9803-9b1b12014488" providerId="ADAL" clId="{5E63568B-A134-F74A-B947-EBB8480209A8}" dt="2023-01-09T17:50:08.391" v="432" actId="14100"/>
-      <pc:docMkLst>
-        <pc:docMk/>
-      </pc:docMkLst>
-      <pc:sldChg chg="modSp mod">
-        <pc:chgData name="Mannix, Josh" userId="67577199-83d9-4857-9803-9b1b12014488" providerId="ADAL" clId="{5E63568B-A134-F74A-B947-EBB8480209A8}" dt="2023-01-09T17:41:16.617" v="312" actId="1076"/>
-        <pc:sldMkLst>
-          <pc:docMk/>
-          <pc:sldMk cId="0" sldId="261"/>
-        </pc:sldMkLst>
-        <pc:spChg chg="mod">
-          <ac:chgData name="Mannix, Josh" userId="67577199-83d9-4857-9803-9b1b12014488" providerId="ADAL" clId="{5E63568B-A134-F74A-B947-EBB8480209A8}" dt="2023-01-09T17:41:16.617" v="312" actId="1076"/>
-          <ac:spMkLst>
-            <pc:docMk/>
-            <pc:sldMk cId="0" sldId="261"/>
-            <ac:spMk id="249" creationId="{00000000-0000-0000-0000-000000000000}"/>
-          </ac:spMkLst>
-        </pc:spChg>
-      </pc:sldChg>
-      <pc:sldChg chg="modSp mod">
-        <pc:chgData name="Mannix, Josh" userId="67577199-83d9-4857-9803-9b1b12014488" providerId="ADAL" clId="{5E63568B-A134-F74A-B947-EBB8480209A8}" dt="2023-01-09T17:41:43.969" v="316" actId="1076"/>
-        <pc:sldMkLst>
-          <pc:docMk/>
-          <pc:sldMk cId="0" sldId="263"/>
-        </pc:sldMkLst>
-        <pc:spChg chg="mod">
-          <ac:chgData name="Mannix, Josh" userId="67577199-83d9-4857-9803-9b1b12014488" providerId="ADAL" clId="{5E63568B-A134-F74A-B947-EBB8480209A8}" dt="2023-01-09T17:41:43.541" v="315" actId="1076"/>
-          <ac:spMkLst>
-            <pc:docMk/>
-            <pc:sldMk cId="0" sldId="263"/>
-            <ac:spMk id="17" creationId="{0EC3D688-7D0E-4B4D-B613-C1BA1A4581EA}"/>
-          </ac:spMkLst>
-        </pc:spChg>
-        <pc:spChg chg="mod">
-          <ac:chgData name="Mannix, Josh" userId="67577199-83d9-4857-9803-9b1b12014488" providerId="ADAL" clId="{5E63568B-A134-F74A-B947-EBB8480209A8}" dt="2023-01-09T17:41:43.969" v="316" actId="1076"/>
-          <ac:spMkLst>
-            <pc:docMk/>
-            <pc:sldMk cId="0" sldId="263"/>
-            <ac:spMk id="274" creationId="{00000000-0000-0000-0000-000000000000}"/>
-          </ac:spMkLst>
-        </pc:spChg>
-      </pc:sldChg>
-      <pc:sldChg chg="modSp mod">
-        <pc:chgData name="Mannix, Josh" userId="67577199-83d9-4857-9803-9b1b12014488" providerId="ADAL" clId="{5E63568B-A134-F74A-B947-EBB8480209A8}" dt="2023-01-09T17:43:12.775" v="374" actId="20577"/>
-        <pc:sldMkLst>
-          <pc:docMk/>
-          <pc:sldMk cId="2998291648" sldId="310"/>
-        </pc:sldMkLst>
-        <pc:spChg chg="mod">
-          <ac:chgData name="Mannix, Josh" userId="67577199-83d9-4857-9803-9b1b12014488" providerId="ADAL" clId="{5E63568B-A134-F74A-B947-EBB8480209A8}" dt="2023-01-09T17:43:12.775" v="374" actId="20577"/>
-          <ac:spMkLst>
-            <pc:docMk/>
-            <pc:sldMk cId="2998291648" sldId="310"/>
-            <ac:spMk id="273" creationId="{00000000-0000-0000-0000-000000000000}"/>
-          </ac:spMkLst>
-        </pc:spChg>
-        <pc:spChg chg="mod">
-          <ac:chgData name="Mannix, Josh" userId="67577199-83d9-4857-9803-9b1b12014488" providerId="ADAL" clId="{5E63568B-A134-F74A-B947-EBB8480209A8}" dt="2023-01-09T17:43:08.542" v="359" actId="20577"/>
-          <ac:spMkLst>
-            <pc:docMk/>
-            <pc:sldMk cId="2998291648" sldId="310"/>
-            <ac:spMk id="274" creationId="{00000000-0000-0000-0000-000000000000}"/>
-          </ac:spMkLst>
-        </pc:spChg>
-      </pc:sldChg>
-      <pc:sldChg chg="modSp new mod">
-        <pc:chgData name="Mannix, Josh" userId="67577199-83d9-4857-9803-9b1b12014488" providerId="ADAL" clId="{5E63568B-A134-F74A-B947-EBB8480209A8}" dt="2023-01-09T14:50:39.317" v="168" actId="20577"/>
-        <pc:sldMkLst>
-          <pc:docMk/>
-          <pc:sldMk cId="1525334266" sldId="312"/>
-        </pc:sldMkLst>
-        <pc:spChg chg="mod">
-          <ac:chgData name="Mannix, Josh" userId="67577199-83d9-4857-9803-9b1b12014488" providerId="ADAL" clId="{5E63568B-A134-F74A-B947-EBB8480209A8}" dt="2023-01-09T14:49:33.734" v="24" actId="20577"/>
-          <ac:spMkLst>
-            <pc:docMk/>
-            <pc:sldMk cId="1525334266" sldId="312"/>
-            <ac:spMk id="2" creationId="{43B37B89-5678-C5A8-D4CB-B663D415F34B}"/>
-          </ac:spMkLst>
-        </pc:spChg>
-        <pc:spChg chg="mod">
-          <ac:chgData name="Mannix, Josh" userId="67577199-83d9-4857-9803-9b1b12014488" providerId="ADAL" clId="{5E63568B-A134-F74A-B947-EBB8480209A8}" dt="2023-01-09T14:50:39.317" v="168" actId="20577"/>
-          <ac:spMkLst>
-            <pc:docMk/>
-            <pc:sldMk cId="1525334266" sldId="312"/>
-            <ac:spMk id="3" creationId="{174A2818-11F1-9527-987C-744698490DA5}"/>
-          </ac:spMkLst>
-        </pc:spChg>
-      </pc:sldChg>
-      <pc:sldChg chg="addSp delSp modSp add mod">
-        <pc:chgData name="Mannix, Josh" userId="67577199-83d9-4857-9803-9b1b12014488" providerId="ADAL" clId="{5E63568B-A134-F74A-B947-EBB8480209A8}" dt="2023-01-09T17:50:08.391" v="432" actId="14100"/>
-        <pc:sldMkLst>
-          <pc:docMk/>
-          <pc:sldMk cId="342055200" sldId="313"/>
-        </pc:sldMkLst>
-        <pc:spChg chg="del">
-          <ac:chgData name="Mannix, Josh" userId="67577199-83d9-4857-9803-9b1b12014488" providerId="ADAL" clId="{5E63568B-A134-F74A-B947-EBB8480209A8}" dt="2023-01-09T17:49:35.052" v="394" actId="478"/>
-          <ac:spMkLst>
-            <pc:docMk/>
-            <pc:sldMk cId="342055200" sldId="313"/>
-            <ac:spMk id="17" creationId="{0EC3D688-7D0E-4B4D-B613-C1BA1A4581EA}"/>
-          </ac:spMkLst>
-        </pc:spChg>
-        <pc:spChg chg="mod">
-          <ac:chgData name="Mannix, Josh" userId="67577199-83d9-4857-9803-9b1b12014488" providerId="ADAL" clId="{5E63568B-A134-F74A-B947-EBB8480209A8}" dt="2023-01-09T17:49:32.171" v="393" actId="20577"/>
-          <ac:spMkLst>
-            <pc:docMk/>
-            <pc:sldMk cId="342055200" sldId="313"/>
-            <ac:spMk id="273" creationId="{00000000-0000-0000-0000-000000000000}"/>
-          </ac:spMkLst>
-        </pc:spChg>
-        <pc:spChg chg="mod">
-          <ac:chgData name="Mannix, Josh" userId="67577199-83d9-4857-9803-9b1b12014488" providerId="ADAL" clId="{5E63568B-A134-F74A-B947-EBB8480209A8}" dt="2023-01-09T17:50:08.391" v="432" actId="14100"/>
-          <ac:spMkLst>
-            <pc:docMk/>
-            <pc:sldMk cId="342055200" sldId="313"/>
-            <ac:spMk id="274" creationId="{00000000-0000-0000-0000-000000000000}"/>
-          </ac:spMkLst>
-        </pc:spChg>
-        <pc:picChg chg="add mod">
-          <ac:chgData name="Mannix, Josh" userId="67577199-83d9-4857-9803-9b1b12014488" providerId="ADAL" clId="{5E63568B-A134-F74A-B947-EBB8480209A8}" dt="2023-01-09T17:50:04.176" v="431" actId="1076"/>
-          <ac:picMkLst>
-            <pc:docMk/>
-            <pc:sldMk cId="342055200" sldId="313"/>
-            <ac:picMk id="3" creationId="{86F85B76-A756-8F98-FB68-4A2E44B2C060}"/>
-          </ac:picMkLst>
-        </pc:picChg>
-      </pc:sldChg>
-    </pc:docChg>
-  </pc:docChgLst>
-  <pc:docChgLst>
     <pc:chgData name="Josh Mannix" userId="67577199-83d9-4857-9803-9b1b12014488" providerId="ADAL" clId="{77D60DD1-2211-E846-8485-16C07302A641}"/>
     <pc:docChg chg="undo custSel addSld delSld modSld">
       <pc:chgData name="Josh Mannix" userId="67577199-83d9-4857-9803-9b1b12014488" providerId="ADAL" clId="{77D60DD1-2211-E846-8485-16C07302A641}" dt="2023-01-12T17:58:59.477" v="2593" actId="164"/>
@@ -2818,6 +2686,138 @@
             <pc:docMk/>
             <pc:sldMk cId="1837633903" sldId="318"/>
             <ac:picMk id="5" creationId="{3ADCD200-35C5-7348-82B9-EAA3D7F627D6}"/>
+          </ac:picMkLst>
+        </pc:picChg>
+      </pc:sldChg>
+    </pc:docChg>
+  </pc:docChgLst>
+  <pc:docChgLst>
+    <pc:chgData name="Mannix, Josh" userId="67577199-83d9-4857-9803-9b1b12014488" providerId="ADAL" clId="{5E63568B-A134-F74A-B947-EBB8480209A8}"/>
+    <pc:docChg chg="undo custSel addSld modSld">
+      <pc:chgData name="Mannix, Josh" userId="67577199-83d9-4857-9803-9b1b12014488" providerId="ADAL" clId="{5E63568B-A134-F74A-B947-EBB8480209A8}" dt="2023-01-09T17:50:08.391" v="432" actId="14100"/>
+      <pc:docMkLst>
+        <pc:docMk/>
+      </pc:docMkLst>
+      <pc:sldChg chg="modSp mod">
+        <pc:chgData name="Mannix, Josh" userId="67577199-83d9-4857-9803-9b1b12014488" providerId="ADAL" clId="{5E63568B-A134-F74A-B947-EBB8480209A8}" dt="2023-01-09T17:41:16.617" v="312" actId="1076"/>
+        <pc:sldMkLst>
+          <pc:docMk/>
+          <pc:sldMk cId="0" sldId="261"/>
+        </pc:sldMkLst>
+        <pc:spChg chg="mod">
+          <ac:chgData name="Mannix, Josh" userId="67577199-83d9-4857-9803-9b1b12014488" providerId="ADAL" clId="{5E63568B-A134-F74A-B947-EBB8480209A8}" dt="2023-01-09T17:41:16.617" v="312" actId="1076"/>
+          <ac:spMkLst>
+            <pc:docMk/>
+            <pc:sldMk cId="0" sldId="261"/>
+            <ac:spMk id="249" creationId="{00000000-0000-0000-0000-000000000000}"/>
+          </ac:spMkLst>
+        </pc:spChg>
+      </pc:sldChg>
+      <pc:sldChg chg="modSp mod">
+        <pc:chgData name="Mannix, Josh" userId="67577199-83d9-4857-9803-9b1b12014488" providerId="ADAL" clId="{5E63568B-A134-F74A-B947-EBB8480209A8}" dt="2023-01-09T17:41:43.969" v="316" actId="1076"/>
+        <pc:sldMkLst>
+          <pc:docMk/>
+          <pc:sldMk cId="0" sldId="263"/>
+        </pc:sldMkLst>
+        <pc:spChg chg="mod">
+          <ac:chgData name="Mannix, Josh" userId="67577199-83d9-4857-9803-9b1b12014488" providerId="ADAL" clId="{5E63568B-A134-F74A-B947-EBB8480209A8}" dt="2023-01-09T17:41:43.541" v="315" actId="1076"/>
+          <ac:spMkLst>
+            <pc:docMk/>
+            <pc:sldMk cId="0" sldId="263"/>
+            <ac:spMk id="17" creationId="{0EC3D688-7D0E-4B4D-B613-C1BA1A4581EA}"/>
+          </ac:spMkLst>
+        </pc:spChg>
+        <pc:spChg chg="mod">
+          <ac:chgData name="Mannix, Josh" userId="67577199-83d9-4857-9803-9b1b12014488" providerId="ADAL" clId="{5E63568B-A134-F74A-B947-EBB8480209A8}" dt="2023-01-09T17:41:43.969" v="316" actId="1076"/>
+          <ac:spMkLst>
+            <pc:docMk/>
+            <pc:sldMk cId="0" sldId="263"/>
+            <ac:spMk id="274" creationId="{00000000-0000-0000-0000-000000000000}"/>
+          </ac:spMkLst>
+        </pc:spChg>
+      </pc:sldChg>
+      <pc:sldChg chg="modSp mod">
+        <pc:chgData name="Mannix, Josh" userId="67577199-83d9-4857-9803-9b1b12014488" providerId="ADAL" clId="{5E63568B-A134-F74A-B947-EBB8480209A8}" dt="2023-01-09T17:43:12.775" v="374" actId="20577"/>
+        <pc:sldMkLst>
+          <pc:docMk/>
+          <pc:sldMk cId="2998291648" sldId="310"/>
+        </pc:sldMkLst>
+        <pc:spChg chg="mod">
+          <ac:chgData name="Mannix, Josh" userId="67577199-83d9-4857-9803-9b1b12014488" providerId="ADAL" clId="{5E63568B-A134-F74A-B947-EBB8480209A8}" dt="2023-01-09T17:43:12.775" v="374" actId="20577"/>
+          <ac:spMkLst>
+            <pc:docMk/>
+            <pc:sldMk cId="2998291648" sldId="310"/>
+            <ac:spMk id="273" creationId="{00000000-0000-0000-0000-000000000000}"/>
+          </ac:spMkLst>
+        </pc:spChg>
+        <pc:spChg chg="mod">
+          <ac:chgData name="Mannix, Josh" userId="67577199-83d9-4857-9803-9b1b12014488" providerId="ADAL" clId="{5E63568B-A134-F74A-B947-EBB8480209A8}" dt="2023-01-09T17:43:08.542" v="359" actId="20577"/>
+          <ac:spMkLst>
+            <pc:docMk/>
+            <pc:sldMk cId="2998291648" sldId="310"/>
+            <ac:spMk id="274" creationId="{00000000-0000-0000-0000-000000000000}"/>
+          </ac:spMkLst>
+        </pc:spChg>
+      </pc:sldChg>
+      <pc:sldChg chg="modSp new mod">
+        <pc:chgData name="Mannix, Josh" userId="67577199-83d9-4857-9803-9b1b12014488" providerId="ADAL" clId="{5E63568B-A134-F74A-B947-EBB8480209A8}" dt="2023-01-09T14:50:39.317" v="168" actId="20577"/>
+        <pc:sldMkLst>
+          <pc:docMk/>
+          <pc:sldMk cId="1525334266" sldId="312"/>
+        </pc:sldMkLst>
+        <pc:spChg chg="mod">
+          <ac:chgData name="Mannix, Josh" userId="67577199-83d9-4857-9803-9b1b12014488" providerId="ADAL" clId="{5E63568B-A134-F74A-B947-EBB8480209A8}" dt="2023-01-09T14:49:33.734" v="24" actId="20577"/>
+          <ac:spMkLst>
+            <pc:docMk/>
+            <pc:sldMk cId="1525334266" sldId="312"/>
+            <ac:spMk id="2" creationId="{43B37B89-5678-C5A8-D4CB-B663D415F34B}"/>
+          </ac:spMkLst>
+        </pc:spChg>
+        <pc:spChg chg="mod">
+          <ac:chgData name="Mannix, Josh" userId="67577199-83d9-4857-9803-9b1b12014488" providerId="ADAL" clId="{5E63568B-A134-F74A-B947-EBB8480209A8}" dt="2023-01-09T14:50:39.317" v="168" actId="20577"/>
+          <ac:spMkLst>
+            <pc:docMk/>
+            <pc:sldMk cId="1525334266" sldId="312"/>
+            <ac:spMk id="3" creationId="{174A2818-11F1-9527-987C-744698490DA5}"/>
+          </ac:spMkLst>
+        </pc:spChg>
+      </pc:sldChg>
+      <pc:sldChg chg="addSp delSp modSp add mod">
+        <pc:chgData name="Mannix, Josh" userId="67577199-83d9-4857-9803-9b1b12014488" providerId="ADAL" clId="{5E63568B-A134-F74A-B947-EBB8480209A8}" dt="2023-01-09T17:50:08.391" v="432" actId="14100"/>
+        <pc:sldMkLst>
+          <pc:docMk/>
+          <pc:sldMk cId="342055200" sldId="313"/>
+        </pc:sldMkLst>
+        <pc:spChg chg="del">
+          <ac:chgData name="Mannix, Josh" userId="67577199-83d9-4857-9803-9b1b12014488" providerId="ADAL" clId="{5E63568B-A134-F74A-B947-EBB8480209A8}" dt="2023-01-09T17:49:35.052" v="394" actId="478"/>
+          <ac:spMkLst>
+            <pc:docMk/>
+            <pc:sldMk cId="342055200" sldId="313"/>
+            <ac:spMk id="17" creationId="{0EC3D688-7D0E-4B4D-B613-C1BA1A4581EA}"/>
+          </ac:spMkLst>
+        </pc:spChg>
+        <pc:spChg chg="mod">
+          <ac:chgData name="Mannix, Josh" userId="67577199-83d9-4857-9803-9b1b12014488" providerId="ADAL" clId="{5E63568B-A134-F74A-B947-EBB8480209A8}" dt="2023-01-09T17:49:32.171" v="393" actId="20577"/>
+          <ac:spMkLst>
+            <pc:docMk/>
+            <pc:sldMk cId="342055200" sldId="313"/>
+            <ac:spMk id="273" creationId="{00000000-0000-0000-0000-000000000000}"/>
+          </ac:spMkLst>
+        </pc:spChg>
+        <pc:spChg chg="mod">
+          <ac:chgData name="Mannix, Josh" userId="67577199-83d9-4857-9803-9b1b12014488" providerId="ADAL" clId="{5E63568B-A134-F74A-B947-EBB8480209A8}" dt="2023-01-09T17:50:08.391" v="432" actId="14100"/>
+          <ac:spMkLst>
+            <pc:docMk/>
+            <pc:sldMk cId="342055200" sldId="313"/>
+            <ac:spMk id="274" creationId="{00000000-0000-0000-0000-000000000000}"/>
+          </ac:spMkLst>
+        </pc:spChg>
+        <pc:picChg chg="add mod">
+          <ac:chgData name="Mannix, Josh" userId="67577199-83d9-4857-9803-9b1b12014488" providerId="ADAL" clId="{5E63568B-A134-F74A-B947-EBB8480209A8}" dt="2023-01-09T17:50:04.176" v="431" actId="1076"/>
+          <ac:picMkLst>
+            <pc:docMk/>
+            <pc:sldMk cId="342055200" sldId="313"/>
+            <ac:picMk id="3" creationId="{86F85B76-A756-8F98-FB68-4A2E44B2C060}"/>
           </ac:picMkLst>
         </pc:picChg>
       </pc:sldChg>
@@ -10443,9 +10443,6 @@
     <p:sldLayoutId id="2147483651" r:id="rId3"/>
     <p:sldLayoutId id="2147483654" r:id="rId4"/>
   </p:sldLayoutIdLst>
-  <p:transition>
-    <p:fade thruBlk="1"/>
-  </p:transition>
   <p:hf hdr="0" ftr="0" dt="0"/>
   <p:txStyles>
     <p:titleStyle>
@@ -11191,8 +11188,8 @@
               <a:buNone/>
             </a:pPr>
             <a:r>
-              <a:rPr lang="en-US" sz="3200" dirty="0"/>
-              <a:t>9.2 </a:t>
+              <a:rPr lang="en-US" sz="3200"/>
+              <a:t>6.1 </a:t>
             </a:r>
             <a:br>
               <a:rPr lang="en-US" sz="3200" dirty="0"/>
@@ -11343,8 +11340,20 @@
               <a:buNone/>
             </a:pPr>
             <a:r>
+              <a:rPr lang="en-US" sz="1800" b="1" dirty="0">
+                <a:latin typeface="Calibri" panose="020F0502020204030204" pitchFamily="34" charset="0"/>
+              </a:rPr>
+              <a:t>How much money will I have if... And how much interest will I earn if...</a:t>
+            </a:r>
+            <a:endParaRPr lang="en-US" sz="2000" dirty="0"/>
+          </a:p>
+          <a:p>
+            <a:pPr marL="76200" indent="0">
+              <a:buNone/>
+            </a:pPr>
+            <a:r>
               <a:rPr lang="en-US" sz="2000" dirty="0"/>
-              <a:t>Amya invests $500 at 10% APR for 8 years. How much money will he have at the end of the investing period (8 years) if his interest is compounded continuously?</a:t>
+              <a:t>I invests $500 at 10% APR for 8 years, compounded continuously?</a:t>
             </a:r>
           </a:p>
           <a:p>
@@ -14449,7 +14458,15 @@
             </a:pPr>
             <a:r>
               <a:rPr lang="en-US" sz="2000" dirty="0"/>
-              <a:t>Revisit Elias’ investments ($500 at 10% APR for 8 years). What is his APY if his investment is compounded monthly?</a:t>
+              <a:t>Revisit my investment of $500 at 10% APR for 8 years. What is his APY </a:t>
+            </a:r>
+            <a:r>
+              <a:rPr lang="en-US" sz="2000"/>
+              <a:t>if this </a:t>
+            </a:r>
+            <a:r>
+              <a:rPr lang="en-US" sz="2000" dirty="0"/>
+              <a:t>investment is compounded monthly?</a:t>
             </a:r>
           </a:p>
           <a:p>
@@ -21959,8 +21976,21 @@
               <a:buNone/>
             </a:pPr>
             <a:r>
+              <a:rPr lang="en-US" sz="1800" b="1" dirty="0">
+                <a:effectLst/>
+                <a:latin typeface="Calibri" panose="020F0502020204030204" pitchFamily="34" charset="0"/>
+              </a:rPr>
+              <a:t>How much money will I have if... And how much interest will I earn if...</a:t>
+            </a:r>
+            <a:endParaRPr lang="en-US" dirty="0"/>
+          </a:p>
+          <a:p>
+            <a:pPr marL="76200" indent="0">
+              <a:buNone/>
+            </a:pPr>
+            <a:r>
               <a:rPr lang="en-US" dirty="0"/>
-              <a:t>Hannah invests $500 at 10% APR for 8 years (with simple interest). How much money will she have at the end of the investment (8 years)?</a:t>
+              <a:t>I invest $500 at 10% APR for 8 years (with simple interest). </a:t>
             </a:r>
           </a:p>
           <a:p>
@@ -23631,8 +23661,19 @@
               <a:buNone/>
             </a:pPr>
             <a:r>
+              <a:rPr lang="en-US" sz="1800" b="1" dirty="0">
+                <a:latin typeface="Calibri" panose="020F0502020204030204" pitchFamily="34" charset="0"/>
+              </a:rPr>
+              <a:t>How much money will I have if... And how much interest will I earn if...</a:t>
+            </a:r>
+          </a:p>
+          <a:p>
+            <a:pPr marL="76200" indent="0">
+              <a:buNone/>
+            </a:pPr>
+            <a:r>
               <a:rPr lang="en-US" dirty="0"/>
-              <a:t>After 6 months, Hannah needed her money for school, so she withdrew her money. How much interest did she earn?</a:t>
+              <a:t>I invest $500 at 10% APR for 6 months (with simple interest). </a:t>
             </a:r>
           </a:p>
         </p:txBody>
@@ -26658,8 +26699,19 @@
               <a:buNone/>
             </a:pPr>
             <a:r>
+              <a:rPr lang="en-US" sz="1800" b="1" dirty="0">
+                <a:latin typeface="Calibri" panose="020F0502020204030204" pitchFamily="34" charset="0"/>
+              </a:rPr>
+              <a:t>How much money will I have if... And how much interest will I earn if...</a:t>
+            </a:r>
+          </a:p>
+          <a:p>
+            <a:pPr marL="76200" indent="0">
+              <a:buNone/>
+            </a:pPr>
+            <a:r>
               <a:rPr lang="en-US" sz="2000" dirty="0"/>
-              <a:t>Elias invests $500 at 10% APR for 8 years. How much money will he have at the end of the investing period (8 years) if his interest is compounded monthly? Quarterly?</a:t>
+              <a:t>I invests $500 at 10% APR for 8 years compounded monthly? Quarterly?</a:t>
             </a:r>
           </a:p>
           <a:p>
@@ -27621,8 +27673,8 @@
           </p:txBody>
         </p:sp>
       </p:grpSp>
-      <mc:AlternateContent xmlns:mc="http://schemas.openxmlformats.org/markup-compatibility/2006" xmlns:a14="http://schemas.microsoft.com/office/drawing/2010/main">
-        <mc:Choice Requires="a14">
+      <mc:AlternateContent xmlns:mc="http://schemas.openxmlformats.org/markup-compatibility/2006">
+        <mc:Choice xmlns:a14="http://schemas.microsoft.com/office/drawing/2010/main" Requires="a14">
           <p:sp>
             <p:nvSpPr>
               <p:cNvPr id="13" name="TextBox 12">
@@ -27637,7 +27689,7 @@
             </p:nvSpPr>
             <p:spPr>
               <a:xfrm>
-                <a:off x="3662205" y="3237928"/>
+                <a:off x="3662204" y="2833260"/>
                 <a:ext cx="1452381" cy="391261"/>
               </a:xfrm>
               <a:prstGeom prst="rect">
@@ -27697,7 +27749,7 @@
             </p:txBody>
           </p:sp>
         </mc:Choice>
-        <mc:Fallback xmlns="">
+        <mc:Fallback>
           <p:sp>
             <p:nvSpPr>
               <p:cNvPr id="13" name="TextBox 12">
@@ -27714,7 +27766,7 @@
             </p:nvSpPr>
             <p:spPr>
               <a:xfrm>
-                <a:off x="3662205" y="3237928"/>
+                <a:off x="3662204" y="2833260"/>
                 <a:ext cx="1452381" cy="391261"/>
               </a:xfrm>
               <a:prstGeom prst="rect">
@@ -27723,7 +27775,7 @@
               <a:blipFill>
                 <a:blip r:embed="rId3"/>
                 <a:stretch>
-                  <a:fillRect b="-6250"/>
+                  <a:fillRect b="-9677"/>
                 </a:stretch>
               </a:blipFill>
             </p:spPr>
@@ -27742,8 +27794,8 @@
           </p:sp>
         </mc:Fallback>
       </mc:AlternateContent>
-      <mc:AlternateContent xmlns:mc="http://schemas.openxmlformats.org/markup-compatibility/2006" xmlns:a14="http://schemas.microsoft.com/office/drawing/2010/main">
-        <mc:Choice Requires="a14">
+      <mc:AlternateContent xmlns:mc="http://schemas.openxmlformats.org/markup-compatibility/2006">
+        <mc:Choice xmlns:a14="http://schemas.microsoft.com/office/drawing/2010/main" Requires="a14">
           <p:sp>
             <p:nvSpPr>
               <p:cNvPr id="15" name="TextBox 14">
@@ -27758,7 +27810,7 @@
             </p:nvSpPr>
             <p:spPr>
               <a:xfrm>
-                <a:off x="4754880" y="3103622"/>
+                <a:off x="4754879" y="2698954"/>
                 <a:ext cx="2576224" cy="950325"/>
               </a:xfrm>
               <a:prstGeom prst="rect">
@@ -27878,7 +27930,7 @@
             </p:txBody>
           </p:sp>
         </mc:Choice>
-        <mc:Fallback xmlns="">
+        <mc:Fallback>
           <p:sp>
             <p:nvSpPr>
               <p:cNvPr id="15" name="TextBox 14">
@@ -27895,7 +27947,7 @@
             </p:nvSpPr>
             <p:spPr>
               <a:xfrm>
-                <a:off x="4754880" y="3103622"/>
+                <a:off x="4754879" y="2698954"/>
                 <a:ext cx="2576224" cy="950325"/>
               </a:xfrm>
               <a:prstGeom prst="rect">
@@ -27923,8 +27975,8 @@
           </p:sp>
         </mc:Fallback>
       </mc:AlternateContent>
-      <mc:AlternateContent xmlns:mc="http://schemas.openxmlformats.org/markup-compatibility/2006" xmlns:a14="http://schemas.microsoft.com/office/drawing/2010/main">
-        <mc:Choice Requires="a14">
+      <mc:AlternateContent xmlns:mc="http://schemas.openxmlformats.org/markup-compatibility/2006">
+        <mc:Choice xmlns:a14="http://schemas.microsoft.com/office/drawing/2010/main" Requires="a14">
           <p:sp>
             <p:nvSpPr>
               <p:cNvPr id="10" name="TextBox 9">
@@ -27939,7 +27991,7 @@
             </p:nvSpPr>
             <p:spPr>
               <a:xfrm>
-                <a:off x="814275" y="3214286"/>
+                <a:off x="814275" y="2734869"/>
                 <a:ext cx="2306401" cy="559640"/>
               </a:xfrm>
               <a:prstGeom prst="rect">
@@ -28066,7 +28118,7 @@
             </p:txBody>
           </p:sp>
         </mc:Choice>
-        <mc:Fallback xmlns="">
+        <mc:Fallback>
           <p:sp>
             <p:nvSpPr>
               <p:cNvPr id="10" name="TextBox 9">
@@ -28083,7 +28135,7 @@
             </p:nvSpPr>
             <p:spPr>
               <a:xfrm>
-                <a:off x="814275" y="3214286"/>
+                <a:off x="814275" y="2734869"/>
                 <a:ext cx="2306401" cy="559640"/>
               </a:xfrm>
               <a:prstGeom prst="rect">
@@ -28111,8 +28163,8 @@
           </p:sp>
         </mc:Fallback>
       </mc:AlternateContent>
-      <mc:AlternateContent xmlns:mc="http://schemas.openxmlformats.org/markup-compatibility/2006" xmlns:a14="http://schemas.microsoft.com/office/drawing/2010/main">
-        <mc:Choice Requires="a14">
+      <mc:AlternateContent xmlns:mc="http://schemas.openxmlformats.org/markup-compatibility/2006">
+        <mc:Choice xmlns:a14="http://schemas.microsoft.com/office/drawing/2010/main" Requires="a14">
           <p:sp>
             <p:nvSpPr>
               <p:cNvPr id="11" name="TextBox 10">
@@ -28127,7 +28179,7 @@
             </p:nvSpPr>
             <p:spPr>
               <a:xfrm>
-                <a:off x="1564083" y="3675644"/>
+                <a:off x="1564083" y="3196227"/>
                 <a:ext cx="1995803" cy="608756"/>
               </a:xfrm>
               <a:prstGeom prst="rect">
@@ -28223,7 +28275,7 @@
             </p:txBody>
           </p:sp>
         </mc:Choice>
-        <mc:Fallback xmlns="">
+        <mc:Fallback>
           <p:sp>
             <p:nvSpPr>
               <p:cNvPr id="11" name="TextBox 10">
@@ -28240,7 +28292,7 @@
             </p:nvSpPr>
             <p:spPr>
               <a:xfrm>
-                <a:off x="1564083" y="3675644"/>
+                <a:off x="1564083" y="3196227"/>
                 <a:ext cx="1995803" cy="608756"/>
               </a:xfrm>
               <a:prstGeom prst="rect">
@@ -28268,8 +28320,8 @@
           </p:sp>
         </mc:Fallback>
       </mc:AlternateContent>
-      <mc:AlternateContent xmlns:mc="http://schemas.openxmlformats.org/markup-compatibility/2006" xmlns:a14="http://schemas.microsoft.com/office/drawing/2010/main">
-        <mc:Choice Requires="a14">
+      <mc:AlternateContent xmlns:mc="http://schemas.openxmlformats.org/markup-compatibility/2006">
+        <mc:Choice xmlns:a14="http://schemas.microsoft.com/office/drawing/2010/main" Requires="a14">
           <p:sp>
             <p:nvSpPr>
               <p:cNvPr id="16" name="TextBox 15">
@@ -28284,7 +28336,7 @@
             </p:nvSpPr>
             <p:spPr>
               <a:xfrm>
-                <a:off x="1564083" y="4262222"/>
+                <a:off x="1564083" y="3782805"/>
                 <a:ext cx="1336071" cy="584775"/>
               </a:xfrm>
               <a:prstGeom prst="rect">
@@ -28332,7 +28384,7 @@
             </p:txBody>
           </p:sp>
         </mc:Choice>
-        <mc:Fallback xmlns="">
+        <mc:Fallback>
           <p:sp>
             <p:nvSpPr>
               <p:cNvPr id="16" name="TextBox 15">
@@ -28349,7 +28401,7 @@
             </p:nvSpPr>
             <p:spPr>
               <a:xfrm>
-                <a:off x="1564083" y="4262222"/>
+                <a:off x="1564083" y="3782805"/>
                 <a:ext cx="1336071" cy="584775"/>
               </a:xfrm>
               <a:prstGeom prst="rect">
@@ -28377,8 +28429,8 @@
           </p:sp>
         </mc:Fallback>
       </mc:AlternateContent>
-      <mc:AlternateContent xmlns:mc="http://schemas.openxmlformats.org/markup-compatibility/2006">
-        <mc:Choice xmlns:a14="http://schemas.microsoft.com/office/drawing/2010/main" Requires="a14">
+      <mc:AlternateContent xmlns:mc="http://schemas.openxmlformats.org/markup-compatibility/2006" xmlns:a14="http://schemas.microsoft.com/office/drawing/2010/main">
+        <mc:Choice Requires="a14">
           <p:sp>
             <p:nvSpPr>
               <p:cNvPr id="4" name="TextBox 3">
@@ -28407,6 +28459,7 @@
               </a:bodyPr>
               <a:lstStyle/>
               <a:p>
+                <a:pPr/>
                 <a14:m>
                   <m:oMathPara xmlns:m="http://schemas.openxmlformats.org/officeDocument/2006/math">
                     <m:oMathParaPr>
@@ -28452,7 +28505,7 @@
             </p:txBody>
           </p:sp>
         </mc:Choice>
-        <mc:Fallback>
+        <mc:Fallback xmlns="">
           <p:sp>
             <p:nvSpPr>
               <p:cNvPr id="4" name="TextBox 3">
@@ -28497,8 +28550,8 @@
           </p:sp>
         </mc:Fallback>
       </mc:AlternateContent>
-      <mc:AlternateContent xmlns:mc="http://schemas.openxmlformats.org/markup-compatibility/2006">
-        <mc:Choice xmlns:a14="http://schemas.microsoft.com/office/drawing/2010/main" Requires="a14">
+      <mc:AlternateContent xmlns:mc="http://schemas.openxmlformats.org/markup-compatibility/2006" xmlns:a14="http://schemas.microsoft.com/office/drawing/2010/main">
+        <mc:Choice Requires="a14">
           <p:sp>
             <p:nvSpPr>
               <p:cNvPr id="12" name="TextBox 11">
@@ -28527,6 +28580,7 @@
               </a:bodyPr>
               <a:lstStyle/>
               <a:p>
+                <a:pPr/>
                 <a14:m>
                   <m:oMathPara xmlns:m="http://schemas.openxmlformats.org/officeDocument/2006/math">
                     <m:oMathParaPr>
@@ -28559,7 +28613,7 @@
             </p:txBody>
           </p:sp>
         </mc:Choice>
-        <mc:Fallback>
+        <mc:Fallback xmlns="">
           <p:sp>
             <p:nvSpPr>
               <p:cNvPr id="12" name="TextBox 11">
@@ -28604,8 +28658,8 @@
           </p:sp>
         </mc:Fallback>
       </mc:AlternateContent>
-      <mc:AlternateContent xmlns:mc="http://schemas.openxmlformats.org/markup-compatibility/2006">
-        <mc:Choice xmlns:a14="http://schemas.microsoft.com/office/drawing/2010/main" Requires="a14">
+      <mc:AlternateContent xmlns:mc="http://schemas.openxmlformats.org/markup-compatibility/2006" xmlns:a14="http://schemas.microsoft.com/office/drawing/2010/main">
+        <mc:Choice Requires="a14">
           <p:sp>
             <p:nvSpPr>
               <p:cNvPr id="14" name="TextBox 13">
@@ -28634,6 +28688,7 @@
               </a:bodyPr>
               <a:lstStyle/>
               <a:p>
+                <a:pPr/>
                 <a14:m>
                   <m:oMathPara xmlns:m="http://schemas.openxmlformats.org/officeDocument/2006/math">
                     <m:oMathParaPr>
@@ -28654,7 +28709,7 @@
             </p:txBody>
           </p:sp>
         </mc:Choice>
-        <mc:Fallback>
+        <mc:Fallback xmlns="">
           <p:sp>
             <p:nvSpPr>
               <p:cNvPr id="14" name="TextBox 13">
@@ -28679,6 +28734,367 @@
               </a:prstGeom>
               <a:blipFill>
                 <a:blip r:embed="rId10"/>
+                <a:stretch>
+                  <a:fillRect/>
+                </a:stretch>
+              </a:blipFill>
+            </p:spPr>
+            <p:txBody>
+              <a:bodyPr/>
+              <a:lstStyle/>
+              <a:p>
+                <a:r>
+                  <a:rPr lang="en-US">
+                    <a:noFill/>
+                  </a:rPr>
+                  <a:t> </a:t>
+                </a:r>
+              </a:p>
+            </p:txBody>
+          </p:sp>
+        </mc:Fallback>
+      </mc:AlternateContent>
+      <mc:AlternateContent xmlns:mc="http://schemas.openxmlformats.org/markup-compatibility/2006">
+        <mc:Choice xmlns:a14="http://schemas.microsoft.com/office/drawing/2010/main" Requires="a14">
+          <p:sp>
+            <p:nvSpPr>
+              <p:cNvPr id="22" name="TextBox 21">
+                <a:extLst>
+                  <a:ext uri="{FF2B5EF4-FFF2-40B4-BE49-F238E27FC236}">
+                    <a16:creationId xmlns:a16="http://schemas.microsoft.com/office/drawing/2014/main" id="{0271B597-814D-9377-68F8-B215E3ED4F78}"/>
+                  </a:ext>
+                </a:extLst>
+              </p:cNvPr>
+              <p:cNvSpPr txBox="1"/>
+              <p:nvPr/>
+            </p:nvSpPr>
+            <p:spPr>
+              <a:xfrm>
+                <a:off x="713055" y="4208494"/>
+                <a:ext cx="1163588" cy="357983"/>
+              </a:xfrm>
+              <a:prstGeom prst="rect">
+                <a:avLst/>
+              </a:prstGeom>
+              <a:noFill/>
+            </p:spPr>
+            <p:txBody>
+              <a:bodyPr wrap="none" rtlCol="0">
+                <a:spAutoFit/>
+              </a:bodyPr>
+              <a:lstStyle/>
+              <a:p>
+                <a:pPr/>
+                <a14:m>
+                  <m:oMathPara xmlns:m="http://schemas.openxmlformats.org/officeDocument/2006/math">
+                    <m:oMathParaPr>
+                      <m:jc m:val="centerGroup"/>
+                    </m:oMathParaPr>
+                    <m:oMath xmlns:m="http://schemas.openxmlformats.org/officeDocument/2006/math">
+                      <m:sSub>
+                        <m:sSubPr>
+                          <m:ctrlPr>
+                            <a:rPr lang="en-US" sz="1600" b="0" i="1" smtClean="0">
+                              <a:latin typeface="Cambria Math" panose="02040503050406030204" pitchFamily="18" charset="0"/>
+                            </a:rPr>
+                          </m:ctrlPr>
+                        </m:sSubPr>
+                        <m:e>
+                          <m:r>
+                            <a:rPr lang="en-US" sz="1600" b="0" i="1" smtClean="0">
+                              <a:latin typeface="Cambria Math" panose="02040503050406030204" pitchFamily="18" charset="0"/>
+                            </a:rPr>
+                            <m:t>𝐼</m:t>
+                          </m:r>
+                        </m:e>
+                        <m:sub>
+                          <m:r>
+                            <a:rPr lang="en-US" sz="1600" b="0" i="1" smtClean="0">
+                              <a:latin typeface="Cambria Math" panose="02040503050406030204" pitchFamily="18" charset="0"/>
+                            </a:rPr>
+                            <m:t>𝑚𝑜𝑛𝑡h𝑙𝑦</m:t>
+                          </m:r>
+                        </m:sub>
+                      </m:sSub>
+                      <m:r>
+                        <a:rPr lang="en-US" sz="1600" b="0" i="1" smtClean="0">
+                          <a:latin typeface="Cambria Math" panose="02040503050406030204" pitchFamily="18" charset="0"/>
+                        </a:rPr>
+                        <m:t>=</m:t>
+                      </m:r>
+                    </m:oMath>
+                  </m:oMathPara>
+                </a14:m>
+                <a:endParaRPr lang="en-US" sz="1600" dirty="0"/>
+              </a:p>
+            </p:txBody>
+          </p:sp>
+        </mc:Choice>
+        <mc:Fallback>
+          <p:sp>
+            <p:nvSpPr>
+              <p:cNvPr id="22" name="TextBox 21">
+                <a:extLst>
+                  <a:ext uri="{FF2B5EF4-FFF2-40B4-BE49-F238E27FC236}">
+                    <a16:creationId xmlns:a16="http://schemas.microsoft.com/office/drawing/2014/main" id="{0271B597-814D-9377-68F8-B215E3ED4F78}"/>
+                  </a:ext>
+                </a:extLst>
+              </p:cNvPr>
+              <p:cNvSpPr txBox="1">
+                <a:spLocks noRot="1" noChangeAspect="1" noMove="1" noResize="1" noEditPoints="1" noAdjustHandles="1" noChangeArrowheads="1" noChangeShapeType="1" noTextEdit="1"/>
+              </p:cNvSpPr>
+              <p:nvPr/>
+            </p:nvSpPr>
+            <p:spPr>
+              <a:xfrm>
+                <a:off x="713055" y="4208494"/>
+                <a:ext cx="1163588" cy="357983"/>
+              </a:xfrm>
+              <a:prstGeom prst="rect">
+                <a:avLst/>
+              </a:prstGeom>
+              <a:blipFill>
+                <a:blip r:embed="rId11"/>
+                <a:stretch>
+                  <a:fillRect b="-3448"/>
+                </a:stretch>
+              </a:blipFill>
+            </p:spPr>
+            <p:txBody>
+              <a:bodyPr/>
+              <a:lstStyle/>
+              <a:p>
+                <a:r>
+                  <a:rPr lang="en-US">
+                    <a:noFill/>
+                  </a:rPr>
+                  <a:t> </a:t>
+                </a:r>
+              </a:p>
+            </p:txBody>
+          </p:sp>
+        </mc:Fallback>
+      </mc:AlternateContent>
+      <mc:AlternateContent xmlns:mc="http://schemas.openxmlformats.org/markup-compatibility/2006">
+        <mc:Choice xmlns:a14="http://schemas.microsoft.com/office/drawing/2010/main" Requires="a14">
+          <p:sp>
+            <p:nvSpPr>
+              <p:cNvPr id="23" name="TextBox 22">
+                <a:extLst>
+                  <a:ext uri="{FF2B5EF4-FFF2-40B4-BE49-F238E27FC236}">
+                    <a16:creationId xmlns:a16="http://schemas.microsoft.com/office/drawing/2014/main" id="{EFD63D7C-7724-5396-6812-BF69A3EC5480}"/>
+                  </a:ext>
+                </a:extLst>
+              </p:cNvPr>
+              <p:cNvSpPr txBox="1"/>
+              <p:nvPr/>
+            </p:nvSpPr>
+            <p:spPr>
+              <a:xfrm>
+                <a:off x="1802416" y="4198303"/>
+                <a:ext cx="795795" cy="338554"/>
+              </a:xfrm>
+              <a:prstGeom prst="rect">
+                <a:avLst/>
+              </a:prstGeom>
+              <a:noFill/>
+            </p:spPr>
+            <p:txBody>
+              <a:bodyPr wrap="none" rtlCol="0">
+                <a:spAutoFit/>
+              </a:bodyPr>
+              <a:lstStyle/>
+              <a:p>
+                <a:pPr/>
+                <a14:m>
+                  <m:oMathPara xmlns:m="http://schemas.openxmlformats.org/officeDocument/2006/math">
+                    <m:oMathParaPr>
+                      <m:jc m:val="centerGroup"/>
+                    </m:oMathParaPr>
+                    <m:oMath xmlns:m="http://schemas.openxmlformats.org/officeDocument/2006/math">
+                      <m:r>
+                        <a:rPr lang="en-US" sz="1600" b="0" i="1" smtClean="0">
+                          <a:latin typeface="Cambria Math" panose="02040503050406030204" pitchFamily="18" charset="0"/>
+                        </a:rPr>
+                        <m:t>𝐴</m:t>
+                      </m:r>
+                      <m:r>
+                        <a:rPr lang="en-US" sz="1600" b="0" i="1" smtClean="0">
+                          <a:latin typeface="Cambria Math" panose="02040503050406030204" pitchFamily="18" charset="0"/>
+                        </a:rPr>
+                        <m:t> −</m:t>
+                      </m:r>
+                      <m:r>
+                        <a:rPr lang="en-US" sz="1600" b="0" i="1" smtClean="0">
+                          <a:latin typeface="Cambria Math" panose="02040503050406030204" pitchFamily="18" charset="0"/>
+                        </a:rPr>
+                        <m:t>𝑃</m:t>
+                      </m:r>
+                    </m:oMath>
+                  </m:oMathPara>
+                </a14:m>
+                <a:endParaRPr lang="en-US" sz="1600" dirty="0"/>
+              </a:p>
+            </p:txBody>
+          </p:sp>
+        </mc:Choice>
+        <mc:Fallback>
+          <p:sp>
+            <p:nvSpPr>
+              <p:cNvPr id="23" name="TextBox 22">
+                <a:extLst>
+                  <a:ext uri="{FF2B5EF4-FFF2-40B4-BE49-F238E27FC236}">
+                    <a16:creationId xmlns:a16="http://schemas.microsoft.com/office/drawing/2014/main" id="{EFD63D7C-7724-5396-6812-BF69A3EC5480}"/>
+                  </a:ext>
+                </a:extLst>
+              </p:cNvPr>
+              <p:cNvSpPr txBox="1">
+                <a:spLocks noRot="1" noChangeAspect="1" noMove="1" noResize="1" noEditPoints="1" noAdjustHandles="1" noChangeArrowheads="1" noChangeShapeType="1" noTextEdit="1"/>
+              </p:cNvSpPr>
+              <p:nvPr/>
+            </p:nvSpPr>
+            <p:spPr>
+              <a:xfrm>
+                <a:off x="1802416" y="4198303"/>
+                <a:ext cx="795795" cy="338554"/>
+              </a:xfrm>
+              <a:prstGeom prst="rect">
+                <a:avLst/>
+              </a:prstGeom>
+              <a:blipFill>
+                <a:blip r:embed="rId12"/>
+                <a:stretch>
+                  <a:fillRect b="-14286"/>
+                </a:stretch>
+              </a:blipFill>
+            </p:spPr>
+            <p:txBody>
+              <a:bodyPr/>
+              <a:lstStyle/>
+              <a:p>
+                <a:r>
+                  <a:rPr lang="en-US">
+                    <a:noFill/>
+                  </a:rPr>
+                  <a:t> </a:t>
+                </a:r>
+              </a:p>
+            </p:txBody>
+          </p:sp>
+        </mc:Fallback>
+      </mc:AlternateContent>
+      <mc:AlternateContent xmlns:mc="http://schemas.openxmlformats.org/markup-compatibility/2006">
+        <mc:Choice xmlns:a14="http://schemas.microsoft.com/office/drawing/2010/main" Requires="a14">
+          <p:sp>
+            <p:nvSpPr>
+              <p:cNvPr id="24" name="TextBox 23">
+                <a:extLst>
+                  <a:ext uri="{FF2B5EF4-FFF2-40B4-BE49-F238E27FC236}">
+                    <a16:creationId xmlns:a16="http://schemas.microsoft.com/office/drawing/2014/main" id="{4ACFDF98-AF42-A5B4-F3FF-E1A1F49B5A68}"/>
+                  </a:ext>
+                </a:extLst>
+              </p:cNvPr>
+              <p:cNvSpPr txBox="1"/>
+              <p:nvPr/>
+            </p:nvSpPr>
+            <p:spPr>
+              <a:xfrm>
+                <a:off x="1581700" y="4562249"/>
+                <a:ext cx="2684646" cy="338554"/>
+              </a:xfrm>
+              <a:prstGeom prst="rect">
+                <a:avLst/>
+              </a:prstGeom>
+              <a:noFill/>
+            </p:spPr>
+            <p:txBody>
+              <a:bodyPr wrap="none" rtlCol="0">
+                <a:spAutoFit/>
+              </a:bodyPr>
+              <a:lstStyle/>
+              <a:p>
+                <a:pPr/>
+                <a14:m>
+                  <m:oMathPara xmlns:m="http://schemas.openxmlformats.org/officeDocument/2006/math">
+                    <m:oMathParaPr>
+                      <m:jc m:val="centerGroup"/>
+                    </m:oMathParaPr>
+                    <m:oMath xmlns:m="http://schemas.openxmlformats.org/officeDocument/2006/math">
+                      <m:r>
+                        <a:rPr lang="en-US" sz="1600" b="0" i="1" smtClean="0">
+                          <a:latin typeface="Cambria Math" panose="02040503050406030204" pitchFamily="18" charset="0"/>
+                        </a:rPr>
+                        <m:t>=1,109</m:t>
+                      </m:r>
+                      <m:r>
+                        <a:rPr lang="en-US" sz="1600" b="0" i="1" smtClean="0">
+                          <a:latin typeface="Cambria Math" panose="02040503050406030204" pitchFamily="18" charset="0"/>
+                        </a:rPr>
+                        <m:t>.</m:t>
+                      </m:r>
+                      <m:r>
+                        <a:rPr lang="en-US" sz="1600" b="0" i="1" smtClean="0">
+                          <a:latin typeface="Cambria Math" panose="02040503050406030204" pitchFamily="18" charset="0"/>
+                        </a:rPr>
+                        <m:t>09</m:t>
+                      </m:r>
+                      <m:r>
+                        <a:rPr lang="en-US" sz="1600" b="0" i="1" smtClean="0">
+                          <a:latin typeface="Cambria Math" panose="02040503050406030204" pitchFamily="18" charset="0"/>
+                        </a:rPr>
+                        <m:t>−500=60</m:t>
+                      </m:r>
+                      <m:r>
+                        <a:rPr lang="en-US" sz="1600" b="0" i="1" smtClean="0">
+                          <a:latin typeface="Cambria Math" panose="02040503050406030204" pitchFamily="18" charset="0"/>
+                        </a:rPr>
+                        <m:t>9</m:t>
+                      </m:r>
+                      <m:r>
+                        <a:rPr lang="en-US" sz="1600" b="0" i="1" smtClean="0">
+                          <a:latin typeface="Cambria Math" panose="02040503050406030204" pitchFamily="18" charset="0"/>
+                        </a:rPr>
+                        <m:t>.</m:t>
+                      </m:r>
+                      <m:r>
+                        <a:rPr lang="en-US" sz="1600" b="0" i="1" smtClean="0">
+                          <a:latin typeface="Cambria Math" panose="02040503050406030204" pitchFamily="18" charset="0"/>
+                        </a:rPr>
+                        <m:t>09</m:t>
+                      </m:r>
+                    </m:oMath>
+                  </m:oMathPara>
+                </a14:m>
+                <a:endParaRPr lang="en-US" sz="1600" dirty="0"/>
+              </a:p>
+            </p:txBody>
+          </p:sp>
+        </mc:Choice>
+        <mc:Fallback>
+          <p:sp>
+            <p:nvSpPr>
+              <p:cNvPr id="24" name="TextBox 23">
+                <a:extLst>
+                  <a:ext uri="{FF2B5EF4-FFF2-40B4-BE49-F238E27FC236}">
+                    <a16:creationId xmlns:a16="http://schemas.microsoft.com/office/drawing/2014/main" id="{4ACFDF98-AF42-A5B4-F3FF-E1A1F49B5A68}"/>
+                  </a:ext>
+                </a:extLst>
+              </p:cNvPr>
+              <p:cNvSpPr txBox="1">
+                <a:spLocks noRot="1" noChangeAspect="1" noMove="1" noResize="1" noEditPoints="1" noAdjustHandles="1" noChangeArrowheads="1" noChangeShapeType="1" noTextEdit="1"/>
+              </p:cNvSpPr>
+              <p:nvPr/>
+            </p:nvSpPr>
+            <p:spPr>
+              <a:xfrm>
+                <a:off x="1581700" y="4562249"/>
+                <a:ext cx="2684646" cy="338554"/>
+              </a:xfrm>
+              <a:prstGeom prst="rect">
+                <a:avLst/>
+              </a:prstGeom>
+              <a:blipFill>
+                <a:blip r:embed="rId13"/>
                 <a:stretch>
                   <a:fillRect/>
                 </a:stretch>
@@ -28890,7 +29306,7 @@
                                           </p:stCondLst>
                                         </p:cTn>
                                         <p:tgtEl>
-                                          <p:spTgt spid="13">
+                                          <p:spTgt spid="22">
                                             <p:txEl>
                                               <p:pRg st="0" end="0"/>
                                             </p:txEl>
@@ -28926,7 +29342,7 @@
                             </p:stCondLst>
                             <p:childTnLst>
                               <p:par>
-                                <p:cTn id="21" presetID="1" presetClass="entr" presetSubtype="0" fill="hold" nodeType="clickEffect">
+                                <p:cTn id="21" presetID="1" presetClass="entr" presetSubtype="0" fill="hold" grpId="0" nodeType="clickEffect">
                                   <p:stCondLst>
                                     <p:cond delay="0"/>
                                   </p:stCondLst>
@@ -28939,11 +29355,7 @@
                                           </p:stCondLst>
                                         </p:cTn>
                                         <p:tgtEl>
-                                          <p:spTgt spid="15">
-                                            <p:txEl>
-                                              <p:pRg st="0" end="0"/>
-                                            </p:txEl>
-                                          </p:spTgt>
+                                          <p:spTgt spid="23"/>
                                         </p:tgtEl>
                                         <p:attrNameLst>
                                           <p:attrName>style.visibility</p:attrName>
@@ -28988,7 +29400,7 @@
                                           </p:stCondLst>
                                         </p:cTn>
                                         <p:tgtEl>
-                                          <p:spTgt spid="3"/>
+                                          <p:spTgt spid="24"/>
                                         </p:tgtEl>
                                         <p:attrNameLst>
                                           <p:attrName>style.visibility</p:attrName>
@@ -29033,7 +29445,7 @@
                                           </p:stCondLst>
                                         </p:cTn>
                                         <p:tgtEl>
-                                          <p:spTgt spid="4">
+                                          <p:spTgt spid="13">
                                             <p:txEl>
                                               <p:pRg st="0" end="0"/>
                                             </p:txEl>
@@ -29069,7 +29481,7 @@
                             </p:stCondLst>
                             <p:childTnLst>
                               <p:par>
-                                <p:cTn id="33" presetID="1" presetClass="entr" presetSubtype="0" fill="hold" grpId="0" nodeType="clickEffect">
+                                <p:cTn id="33" presetID="1" presetClass="entr" presetSubtype="0" fill="hold" nodeType="clickEffect">
                                   <p:stCondLst>
                                     <p:cond delay="0"/>
                                   </p:stCondLst>
@@ -29082,7 +29494,11 @@
                                           </p:stCondLst>
                                         </p:cTn>
                                         <p:tgtEl>
-                                          <p:spTgt spid="12"/>
+                                          <p:spTgt spid="15">
+                                            <p:txEl>
+                                              <p:pRg st="0" end="0"/>
+                                            </p:txEl>
+                                          </p:spTgt>
                                         </p:tgtEl>
                                         <p:attrNameLst>
                                           <p:attrName>style.visibility</p:attrName>
@@ -29114,7 +29530,7 @@
                             </p:stCondLst>
                             <p:childTnLst>
                               <p:par>
-                                <p:cTn id="37" presetID="1" presetClass="entr" presetSubtype="0" fill="hold" grpId="0" nodeType="clickEffect">
+                                <p:cTn id="37" presetID="1" presetClass="entr" presetSubtype="0" fill="hold" nodeType="clickEffect">
                                   <p:stCondLst>
                                     <p:cond delay="0"/>
                                   </p:stCondLst>
@@ -29127,7 +29543,146 @@
                                           </p:stCondLst>
                                         </p:cTn>
                                         <p:tgtEl>
+                                          <p:spTgt spid="4">
+                                            <p:txEl>
+                                              <p:pRg st="0" end="0"/>
+                                            </p:txEl>
+                                          </p:spTgt>
+                                        </p:tgtEl>
+                                        <p:attrNameLst>
+                                          <p:attrName>style.visibility</p:attrName>
+                                        </p:attrNameLst>
+                                      </p:cBhvr>
+                                      <p:to>
+                                        <p:strVal val="visible"/>
+                                      </p:to>
+                                    </p:set>
+                                  </p:childTnLst>
+                                </p:cTn>
+                              </p:par>
+                            </p:childTnLst>
+                          </p:cTn>
+                        </p:par>
+                      </p:childTnLst>
+                    </p:cTn>
+                  </p:par>
+                  <p:par>
+                    <p:cTn id="39" fill="hold">
+                      <p:stCondLst>
+                        <p:cond delay="indefinite"/>
+                      </p:stCondLst>
+                      <p:childTnLst>
+                        <p:par>
+                          <p:cTn id="40" fill="hold">
+                            <p:stCondLst>
+                              <p:cond delay="0"/>
+                            </p:stCondLst>
+                            <p:childTnLst>
+                              <p:par>
+                                <p:cTn id="41" presetID="1" presetClass="entr" presetSubtype="0" fill="hold" grpId="0" nodeType="clickEffect">
+                                  <p:stCondLst>
+                                    <p:cond delay="0"/>
+                                  </p:stCondLst>
+                                  <p:childTnLst>
+                                    <p:set>
+                                      <p:cBhvr>
+                                        <p:cTn id="42" dur="1" fill="hold">
+                                          <p:stCondLst>
+                                            <p:cond delay="0"/>
+                                          </p:stCondLst>
+                                        </p:cTn>
+                                        <p:tgtEl>
+                                          <p:spTgt spid="12"/>
+                                        </p:tgtEl>
+                                        <p:attrNameLst>
+                                          <p:attrName>style.visibility</p:attrName>
+                                        </p:attrNameLst>
+                                      </p:cBhvr>
+                                      <p:to>
+                                        <p:strVal val="visible"/>
+                                      </p:to>
+                                    </p:set>
+                                  </p:childTnLst>
+                                </p:cTn>
+                              </p:par>
+                            </p:childTnLst>
+                          </p:cTn>
+                        </p:par>
+                      </p:childTnLst>
+                    </p:cTn>
+                  </p:par>
+                  <p:par>
+                    <p:cTn id="43" fill="hold">
+                      <p:stCondLst>
+                        <p:cond delay="indefinite"/>
+                      </p:stCondLst>
+                      <p:childTnLst>
+                        <p:par>
+                          <p:cTn id="44" fill="hold">
+                            <p:stCondLst>
+                              <p:cond delay="0"/>
+                            </p:stCondLst>
+                            <p:childTnLst>
+                              <p:par>
+                                <p:cTn id="45" presetID="1" presetClass="entr" presetSubtype="0" fill="hold" grpId="0" nodeType="clickEffect">
+                                  <p:stCondLst>
+                                    <p:cond delay="0"/>
+                                  </p:stCondLst>
+                                  <p:childTnLst>
+                                    <p:set>
+                                      <p:cBhvr>
+                                        <p:cTn id="46" dur="1" fill="hold">
+                                          <p:stCondLst>
+                                            <p:cond delay="0"/>
+                                          </p:stCondLst>
+                                        </p:cTn>
+                                        <p:tgtEl>
                                           <p:spTgt spid="14"/>
+                                        </p:tgtEl>
+                                        <p:attrNameLst>
+                                          <p:attrName>style.visibility</p:attrName>
+                                        </p:attrNameLst>
+                                      </p:cBhvr>
+                                      <p:to>
+                                        <p:strVal val="visible"/>
+                                      </p:to>
+                                    </p:set>
+                                  </p:childTnLst>
+                                </p:cTn>
+                              </p:par>
+                            </p:childTnLst>
+                          </p:cTn>
+                        </p:par>
+                      </p:childTnLst>
+                    </p:cTn>
+                  </p:par>
+                  <p:par>
+                    <p:cTn id="47" fill="hold">
+                      <p:stCondLst>
+                        <p:cond delay="indefinite"/>
+                      </p:stCondLst>
+                      <p:childTnLst>
+                        <p:par>
+                          <p:cTn id="48" fill="hold">
+                            <p:stCondLst>
+                              <p:cond delay="0"/>
+                            </p:stCondLst>
+                            <p:childTnLst>
+                              <p:par>
+                                <p:cTn id="49" presetID="1" presetClass="entr" presetSubtype="0" fill="hold" grpId="0" nodeType="clickEffect">
+                                  <p:stCondLst>
+                                    <p:cond delay="0"/>
+                                  </p:stCondLst>
+                                  <p:childTnLst>
+                                    <p:set>
+                                      <p:cBhvr>
+                                        <p:cTn id="50" dur="1" fill="hold">
+                                          <p:stCondLst>
+                                            <p:cond delay="0"/>
+                                          </p:stCondLst>
+                                        </p:cTn>
+                                        <p:tgtEl>
+                                          <p:spTgt spid="3"/>
                                         </p:tgtEl>
                                         <p:attrNameLst>
                                           <p:attrName>style.visibility</p:attrName>
@@ -29171,6 +29726,8 @@
       <p:bldP spid="3" grpId="0" animBg="1"/>
       <p:bldP spid="12" grpId="0"/>
       <p:bldP spid="14" grpId="0"/>
+      <p:bldP spid="23" grpId="0"/>
+      <p:bldP spid="24" grpId="0"/>
     </p:bldLst>
   </p:timing>
 </p:sld>
